--- a/Social Media Mining - Tutorial 1.pptx
+++ b/Social Media Mining - Tutorial 1.pptx
@@ -11180,7 +11180,7 @@
             </a:pPr>
             <a:r>
               <a:rPr lang="en"/>
-              <a:t>more eda / algorithms</a:t>
+              <a:t>more eda / algorithms (check out extra notebook!)</a:t>
             </a:r>
             <a:endParaRPr/>
           </a:p>
